--- a/Project details/Poster.pptx
+++ b/Project details/Poster.pptx
@@ -12918,6 +12918,352 @@
           </a:p>
         </p:txBody>
       </p:sp>
+      <p:sp>
+        <p:nvSpPr>
+          <p:cNvPr id="5" name="object 2">
+            <a:extLst>
+              <a:ext uri="{FF2B5EF4-FFF2-40B4-BE49-F238E27FC236}">
+                <a16:creationId xmlns:a16="http://schemas.microsoft.com/office/drawing/2014/main" id="{87B977F7-543F-4E24-A559-633C3555D129}"/>
+              </a:ext>
+            </a:extLst>
+          </p:cNvPr>
+          <p:cNvSpPr txBox="1"/>
+          <p:nvPr/>
+        </p:nvSpPr>
+        <p:spPr>
+          <a:xfrm>
+            <a:off x="11537547" y="7654869"/>
+            <a:ext cx="14681005" cy="8369880"/>
+          </a:xfrm>
+          <a:prstGeom prst="rect">
+            <a:avLst/>
+          </a:prstGeom>
+          <a:noFill/>
+        </p:spPr>
+        <p:txBody>
+          <a:bodyPr vert="horz" wrap="square" lIns="0" tIns="922933" rIns="0" bIns="0" rtlCol="0">
+            <a:spAutoFit/>
+          </a:bodyPr>
+          <a:lstStyle/>
+          <a:p>
+            <a:pPr marL="3358886" algn="r" rtl="1">
+              <a:spcBef>
+                <a:spcPts val="2000"/>
+              </a:spcBef>
+            </a:pPr>
+            <a:r>
+              <a:rPr lang="he-IL" sz="4400" b="1" spc="43" dirty="0">
+                <a:solidFill>
+                  <a:schemeClr val="bg1"/>
+                </a:solidFill>
+                <a:latin typeface="Arial"/>
+                <a:cs typeface="Arial"/>
+              </a:rPr>
+              <a:t>הקדמה</a:t>
+            </a:r>
+          </a:p>
+          <a:p>
+            <a:pPr marL="3816086" indent="-457200" algn="r" rtl="1">
+              <a:spcBef>
+                <a:spcPts val="2000"/>
+              </a:spcBef>
+              <a:buFont typeface="Arial" panose="020B0604020202020204" pitchFamily="34" charset="0"/>
+              <a:buChar char="•"/>
+            </a:pPr>
+            <a:r>
+              <a:rPr lang="he-IL" sz="2800" b="1" spc="43" dirty="0">
+                <a:solidFill>
+                  <a:schemeClr val="bg1"/>
+                </a:solidFill>
+                <a:latin typeface="Arial"/>
+                <a:cs typeface="Arial"/>
+              </a:rPr>
+              <a:t>נקיעת קרסול היא אחת הפציעות הנפוצות ביותר בקרב ספורטאים ולוחמים. </a:t>
+            </a:r>
+            <a:r>
+              <a:rPr kumimoji="0" lang="en-US" sz="2000" b="0" i="0" strike="noStrike" kern="1200" cap="none" spc="0" normalizeH="0" baseline="56000" noProof="0" dirty="0">
+                <a:ln>
+                  <a:noFill/>
+                </a:ln>
+                <a:solidFill>
+                  <a:schemeClr val="bg1"/>
+                </a:solidFill>
+                <a:effectLst/>
+                <a:uLnTx/>
+                <a:uFillTx/>
+                <a:latin typeface="Aileron Regular Bold"/>
+                <a:ea typeface="+mn-ea"/>
+                <a:cs typeface="+mn-cs"/>
+              </a:rPr>
+              <a:t>1</a:t>
+            </a:r>
+            <a:endParaRPr lang="he-IL" sz="2800" b="1" spc="43" dirty="0">
+              <a:solidFill>
+                <a:schemeClr val="bg1"/>
+              </a:solidFill>
+              <a:latin typeface="Arial"/>
+              <a:cs typeface="Arial"/>
+            </a:endParaRPr>
+          </a:p>
+          <a:p>
+            <a:pPr marL="3816086" indent="-457200" algn="r" rtl="1">
+              <a:spcBef>
+                <a:spcPts val="2000"/>
+              </a:spcBef>
+              <a:buFont typeface="Arial" panose="020B0604020202020204" pitchFamily="34" charset="0"/>
+              <a:buChar char="•"/>
+            </a:pPr>
+            <a:r>
+              <a:rPr lang="he-IL" sz="2800" b="1" spc="43" dirty="0">
+                <a:solidFill>
+                  <a:schemeClr val="bg1"/>
+                </a:solidFill>
+                <a:latin typeface="Arial"/>
+                <a:cs typeface="Arial"/>
+              </a:rPr>
+              <a:t>נקיעת קרסול צדדית (</a:t>
+            </a:r>
+            <a:r>
+              <a:rPr lang="en-US" sz="2800" b="1" spc="43" dirty="0">
+                <a:solidFill>
+                  <a:schemeClr val="bg1"/>
+                </a:solidFill>
+                <a:latin typeface="Arial"/>
+                <a:cs typeface="Arial"/>
+              </a:rPr>
+              <a:t>Lateral Ankle Sprains-LAS</a:t>
+            </a:r>
+            <a:r>
+              <a:rPr lang="he-IL" sz="2800" b="1" spc="43" dirty="0">
+                <a:solidFill>
+                  <a:schemeClr val="bg1"/>
+                </a:solidFill>
+                <a:latin typeface="Arial"/>
+                <a:cs typeface="Arial"/>
+              </a:rPr>
+              <a:t>)</a:t>
+            </a:r>
+            <a:r>
+              <a:rPr lang="en-US" sz="2800" b="1" spc="43" dirty="0">
+                <a:solidFill>
+                  <a:schemeClr val="bg1"/>
+                </a:solidFill>
+                <a:latin typeface="Arial"/>
+                <a:cs typeface="Arial"/>
+              </a:rPr>
+              <a:t> </a:t>
+            </a:r>
+            <a:r>
+              <a:rPr lang="he-IL" sz="2800" b="1" spc="43" dirty="0">
+                <a:solidFill>
+                  <a:schemeClr val="bg1"/>
+                </a:solidFill>
+                <a:latin typeface="Arial"/>
+                <a:cs typeface="Arial"/>
+              </a:rPr>
+              <a:t>לעיתים מובילה לכאבים כרוניים, חוסר יציבות בקרסול ודלקת פרקים ניוונית ( </a:t>
+            </a:r>
+            <a:r>
+              <a:rPr lang="en-US" sz="2800" b="1" spc="43" dirty="0">
+                <a:solidFill>
+                  <a:schemeClr val="bg1"/>
+                </a:solidFill>
+                <a:latin typeface="Arial"/>
+                <a:cs typeface="Arial"/>
+              </a:rPr>
+              <a:t>Post-Traumatic Osteoarthritis)</a:t>
+            </a:r>
+            <a:r>
+              <a:rPr lang="he-IL" sz="2800" b="1" spc="43" dirty="0">
+                <a:solidFill>
+                  <a:schemeClr val="bg1"/>
+                </a:solidFill>
+                <a:latin typeface="Arial"/>
+                <a:cs typeface="Arial"/>
+              </a:rPr>
+              <a:t>)</a:t>
+            </a:r>
+            <a:r>
+              <a:rPr lang="en-US" sz="2800" baseline="56000" dirty="0">
+                <a:solidFill>
+                  <a:schemeClr val="bg1"/>
+                </a:solidFill>
+                <a:latin typeface="Aileron Regular Bold"/>
+              </a:rPr>
+              <a:t> </a:t>
+            </a:r>
+            <a:r>
+              <a:rPr lang="he-IL" sz="2800" b="1" spc="43" dirty="0">
+                <a:solidFill>
+                  <a:schemeClr val="bg1"/>
+                </a:solidFill>
+                <a:latin typeface="Arial"/>
+                <a:cs typeface="Arial"/>
+              </a:rPr>
+              <a:t>.</a:t>
+            </a:r>
+            <a:r>
+              <a:rPr lang="en-US" sz="2800" baseline="56000" dirty="0">
+                <a:solidFill>
+                  <a:schemeClr val="bg1"/>
+                </a:solidFill>
+                <a:latin typeface="Aileron Regular Bold"/>
+              </a:rPr>
+              <a:t> </a:t>
+            </a:r>
+            <a:r>
+              <a:rPr lang="en-US" sz="2000" baseline="56000" dirty="0">
+                <a:solidFill>
+                  <a:schemeClr val="bg1"/>
+                </a:solidFill>
+                <a:latin typeface="Aileron Regular Bold"/>
+              </a:rPr>
+              <a:t>1</a:t>
+            </a:r>
+            <a:endParaRPr lang="he-IL" sz="2800" b="1" spc="43" dirty="0">
+              <a:solidFill>
+                <a:schemeClr val="bg1"/>
+              </a:solidFill>
+              <a:latin typeface="Arial"/>
+              <a:cs typeface="Arial"/>
+            </a:endParaRPr>
+          </a:p>
+          <a:p>
+            <a:pPr marL="4044686" indent="-685800" algn="r" rtl="1">
+              <a:spcBef>
+                <a:spcPts val="2000"/>
+              </a:spcBef>
+              <a:buFont typeface="Arial" panose="020B0604020202020204" pitchFamily="34" charset="0"/>
+              <a:buChar char="•"/>
+            </a:pPr>
+            <a:r>
+              <a:rPr lang="he-IL" sz="2800" b="1" spc="43" dirty="0">
+                <a:solidFill>
+                  <a:schemeClr val="bg1"/>
+                </a:solidFill>
+                <a:latin typeface="Arial"/>
+                <a:cs typeface="Arial"/>
+              </a:rPr>
+              <a:t>פציעה זו עלולה להוביל לליקויים בטווח התנועה של כף הרגל ובאורך הצעד.</a:t>
+            </a:r>
+            <a:r>
+              <a:rPr lang="en-US" sz="2000" b="1" spc="43" dirty="0">
+                <a:solidFill>
+                  <a:schemeClr val="bg1"/>
+                </a:solidFill>
+                <a:latin typeface="Arial"/>
+                <a:cs typeface="Arial"/>
+              </a:rPr>
+              <a:t> </a:t>
+            </a:r>
+            <a:r>
+              <a:rPr lang="en-US" sz="2000" baseline="56000" dirty="0">
+                <a:solidFill>
+                  <a:schemeClr val="bg1"/>
+                </a:solidFill>
+                <a:latin typeface="Aileron Regular Bold"/>
+              </a:rPr>
+              <a:t>2,3</a:t>
+            </a:r>
+            <a:endParaRPr lang="he-IL" sz="2800" b="1" spc="43" dirty="0">
+              <a:solidFill>
+                <a:schemeClr val="bg1"/>
+              </a:solidFill>
+              <a:latin typeface="Arial"/>
+              <a:cs typeface="Arial"/>
+            </a:endParaRPr>
+          </a:p>
+          <a:p>
+            <a:pPr marL="4044686" indent="-685800" algn="r" rtl="1">
+              <a:spcBef>
+                <a:spcPts val="2000"/>
+              </a:spcBef>
+              <a:buFont typeface="Arial" panose="020B0604020202020204" pitchFamily="34" charset="0"/>
+              <a:buChar char="•"/>
+            </a:pPr>
+            <a:r>
+              <a:rPr lang="he-IL" sz="2800" b="1" spc="43" dirty="0">
+                <a:solidFill>
+                  <a:schemeClr val="bg1"/>
+                </a:solidFill>
+                <a:latin typeface="Arial"/>
+                <a:cs typeface="Arial"/>
+              </a:rPr>
+              <a:t>מטרתנו היא לפתח מכשיר לביש אשר באמצעות ניתוח מתוחכם של שלבי הליכת המטופל, מפעיל גירוי מסוג רטט על עצב ברגל, אשר יפחית את הכאב במהלך ההליכה של חולי </a:t>
+            </a:r>
+            <a:r>
+              <a:rPr lang="en-US" sz="2800" b="1" spc="43" dirty="0">
+                <a:solidFill>
+                  <a:schemeClr val="bg1"/>
+                </a:solidFill>
+                <a:latin typeface="Arial"/>
+                <a:cs typeface="Arial"/>
+              </a:rPr>
+              <a:t>LAS</a:t>
+            </a:r>
+            <a:r>
+              <a:rPr lang="he-IL" sz="2800" b="1" spc="43" dirty="0">
+                <a:solidFill>
+                  <a:schemeClr val="bg1"/>
+                </a:solidFill>
+                <a:latin typeface="Arial"/>
+                <a:cs typeface="Arial"/>
+              </a:rPr>
+              <a:t> ובכך ישפר את תהליך השיקום באמצעות הגדלת טווח התנועה.</a:t>
+            </a:r>
+            <a:r>
+              <a:rPr lang="en-US" sz="2800" baseline="56000" dirty="0">
+                <a:solidFill>
+                  <a:schemeClr val="bg1"/>
+                </a:solidFill>
+                <a:latin typeface="Aileron Regular Bold"/>
+              </a:rPr>
+              <a:t> </a:t>
+            </a:r>
+            <a:r>
+              <a:rPr lang="en-US" sz="2000" baseline="56000" dirty="0">
+                <a:solidFill>
+                  <a:schemeClr val="bg1"/>
+                </a:solidFill>
+                <a:latin typeface="Aileron Regular Bold"/>
+              </a:rPr>
+              <a:t>4</a:t>
+            </a:r>
+            <a:r>
+              <a:rPr lang="en-US" sz="2800" baseline="56000" dirty="0">
+                <a:solidFill>
+                  <a:srgbClr val="041F60"/>
+                </a:solidFill>
+                <a:latin typeface="Aileron Regular Bold"/>
+              </a:rPr>
+              <a:t> </a:t>
+            </a:r>
+            <a:endParaRPr lang="he-IL" sz="2800" b="1" spc="43" dirty="0">
+              <a:solidFill>
+                <a:schemeClr val="bg1"/>
+              </a:solidFill>
+              <a:latin typeface="Arial"/>
+              <a:cs typeface="Arial"/>
+            </a:endParaRPr>
+          </a:p>
+          <a:p>
+            <a:pPr marL="4044686" indent="-685800" algn="r" rtl="1">
+              <a:spcBef>
+                <a:spcPts val="2000"/>
+              </a:spcBef>
+              <a:buFont typeface="Arial" panose="020B0604020202020204" pitchFamily="34" charset="0"/>
+              <a:buChar char="•"/>
+            </a:pPr>
+            <a:endParaRPr lang="he-IL" sz="4800" b="1" spc="43" dirty="0">
+              <a:solidFill>
+                <a:schemeClr val="bg1"/>
+              </a:solidFill>
+              <a:latin typeface="Arial"/>
+              <a:cs typeface="Arial"/>
+            </a:endParaRPr>
+          </a:p>
+        </p:txBody>
+      </p:sp>
     </p:spTree>
     <p:extLst>
       <p:ext uri="{BB962C8B-B14F-4D97-AF65-F5344CB8AC3E}">
